--- a/NodeJS_and_https.pptx
+++ b/NodeJS_and_https.pptx
@@ -216,7 +216,7 @@
           <a:p>
             <a:fld id="{C4EB8123-A165-47ED-9C55-C3D9A4DBAD68}" type="datetimeFigureOut">
               <a:rPr lang="fi-FI" smtClean="0"/>
-              <a:t>2.12.2015</a:t>
+              <a:t>4.1.2016</a:t>
             </a:fld>
             <a:endParaRPr lang="fi-FI"/>
           </a:p>
@@ -2300,7 +2300,7 @@
           <a:p>
             <a:fld id="{327DBA9D-E4B6-4518-8786-B9C2F86DE51A}" type="datetime1">
               <a:rPr lang="fi-FI" smtClean="0"/>
-              <a:t>2.12.2015</a:t>
+              <a:t>4.1.2016</a:t>
             </a:fld>
             <a:endParaRPr lang="fi-FI"/>
           </a:p>
@@ -2522,7 +2522,7 @@
           <a:p>
             <a:fld id="{0DD1C434-342C-41CF-89F6-C5FAA9A71CEB}" type="datetime1">
               <a:rPr lang="fi-FI" smtClean="0"/>
-              <a:t>2.12.2015</a:t>
+              <a:t>4.1.2016</a:t>
             </a:fld>
             <a:endParaRPr lang="fi-FI"/>
           </a:p>
@@ -2717,7 +2717,7 @@
           <a:p>
             <a:fld id="{0ED5A8FB-7600-4919-883B-12481B4F6CCB}" type="datetime1">
               <a:rPr lang="fi-FI" smtClean="0"/>
-              <a:t>2.12.2015</a:t>
+              <a:t>4.1.2016</a:t>
             </a:fld>
             <a:endParaRPr lang="fi-FI"/>
           </a:p>
@@ -4592,7 +4592,7 @@
           <a:p>
             <a:fld id="{786339DA-C46F-4C6F-95A3-9379EAD4B9E9}" type="datetime1">
               <a:rPr lang="fi-FI" smtClean="0"/>
-              <a:t>2.12.2015</a:t>
+              <a:t>4.1.2016</a:t>
             </a:fld>
             <a:endParaRPr lang="fi-FI"/>
           </a:p>
@@ -6506,7 +6506,7 @@
           <a:p>
             <a:fld id="{DDE8EE06-37CE-4589-979F-8BAD7B9A600E}" type="datetime1">
               <a:rPr lang="fi-FI" smtClean="0"/>
-              <a:t>2.12.2015</a:t>
+              <a:t>4.1.2016</a:t>
             </a:fld>
             <a:endParaRPr lang="fi-FI"/>
           </a:p>
@@ -6663,7 +6663,7 @@
           <a:p>
             <a:fld id="{17D99144-C526-494B-B7FE-18E55CA793B3}" type="datetime1">
               <a:rPr lang="fi-FI" smtClean="0"/>
-              <a:t>2.12.2015</a:t>
+              <a:t>4.1.2016</a:t>
             </a:fld>
             <a:endParaRPr lang="fi-FI"/>
           </a:p>
@@ -7248,7 +7248,7 @@
           <a:p>
             <a:fld id="{E2F92E3A-C1B1-4FA0-AB14-E082E2685DC2}" type="datetime1">
               <a:rPr lang="fi-FI" smtClean="0"/>
-              <a:t>2.12.2015</a:t>
+              <a:t>4.1.2016</a:t>
             </a:fld>
             <a:endParaRPr lang="fi-FI"/>
           </a:p>
@@ -7405,7 +7405,7 @@
           <a:p>
             <a:fld id="{21167F19-C9AE-4D99-81D4-E387C66372F9}" type="datetime1">
               <a:rPr lang="fi-FI" smtClean="0"/>
-              <a:t>2.12.2015</a:t>
+              <a:t>4.1.2016</a:t>
             </a:fld>
             <a:endParaRPr lang="fi-FI"/>
           </a:p>
@@ -9160,7 +9160,7 @@
           <a:p>
             <a:fld id="{E3C8B590-F809-4880-A511-D394916220E8}" type="datetime1">
               <a:rPr lang="fi-FI" smtClean="0"/>
-              <a:t>2.12.2015</a:t>
+              <a:t>4.1.2016</a:t>
             </a:fld>
             <a:endParaRPr lang="fi-FI"/>
           </a:p>
@@ -9355,7 +9355,7 @@
           <a:p>
             <a:fld id="{3363C4C5-2E4E-4839-9FB9-FA0460CC2E24}" type="datetime1">
               <a:rPr lang="fi-FI" smtClean="0"/>
-              <a:t>2.12.2015</a:t>
+              <a:t>4.1.2016</a:t>
             </a:fld>
             <a:endParaRPr lang="fi-FI"/>
           </a:p>
@@ -13014,7 +13014,7 @@
           <a:p>
             <a:fld id="{C4CAF184-C661-41D6-A7AB-1B2872D71EF1}" type="datetime1">
               <a:rPr lang="fi-FI" smtClean="0"/>
-              <a:t>2.12.2015</a:t>
+              <a:t>4.1.2016</a:t>
             </a:fld>
             <a:endParaRPr lang="fi-FI"/>
           </a:p>
@@ -14913,7 +14913,7 @@
           <a:p>
             <a:fld id="{547E3534-5B45-47CB-9862-2AC10FB9400A}" type="datetime1">
               <a:rPr lang="fi-FI" smtClean="0"/>
-              <a:t>2.12.2015</a:t>
+              <a:t>4.1.2016</a:t>
             </a:fld>
             <a:endParaRPr lang="fi-FI"/>
           </a:p>
@@ -15580,7 +15580,7 @@
           <a:p>
             <a:fld id="{4691B1D1-5A08-4681-9A72-9B2DED367437}" type="datetime1">
               <a:rPr lang="fi-FI" smtClean="0"/>
-              <a:t>2.12.2015</a:t>
+              <a:t>4.1.2016</a:t>
             </a:fld>
             <a:endParaRPr lang="fi-FI"/>
           </a:p>
@@ -15723,7 +15723,7 @@
           <a:p>
             <a:fld id="{15714908-B9A4-40F7-871E-9BC4195B2576}" type="datetime1">
               <a:rPr lang="fi-FI" smtClean="0"/>
-              <a:t>2.12.2015</a:t>
+              <a:t>4.1.2016</a:t>
             </a:fld>
             <a:endParaRPr lang="fi-FI"/>
           </a:p>
@@ -15851,7 +15851,7 @@
           <a:p>
             <a:fld id="{A369AACF-7F55-4BE1-AAB5-D77D0F35AFA3}" type="datetime1">
               <a:rPr lang="fi-FI" smtClean="0"/>
-              <a:t>2.12.2015</a:t>
+              <a:t>4.1.2016</a:t>
             </a:fld>
             <a:endParaRPr lang="fi-FI"/>
           </a:p>
@@ -16052,7 +16052,7 @@
           <a:p>
             <a:fld id="{786339DA-C46F-4C6F-95A3-9379EAD4B9E9}" type="datetime1">
               <a:rPr lang="fi-FI" smtClean="0"/>
-              <a:t>2.12.2015</a:t>
+              <a:t>4.1.2016</a:t>
             </a:fld>
             <a:endParaRPr lang="fi-FI"/>
           </a:p>
@@ -16236,7 +16236,7 @@
           <a:p>
             <a:fld id="{786339DA-C46F-4C6F-95A3-9379EAD4B9E9}" type="datetime1">
               <a:rPr lang="fi-FI" smtClean="0"/>
-              <a:t>2.12.2015</a:t>
+              <a:t>4.1.2016</a:t>
             </a:fld>
             <a:endParaRPr lang="fi-FI"/>
           </a:p>
@@ -16530,7 +16530,6 @@
               <a:rPr lang="en-US" sz="1800" b="1" dirty="0"/>
               <a:t> -out server.crt</a:t>
             </a:r>
-            <a:endParaRPr lang="en-US" sz="1800" b="1" dirty="0"/>
           </a:p>
         </p:txBody>
       </p:sp>
@@ -16551,7 +16550,7 @@
           <a:p>
             <a:fld id="{786339DA-C46F-4C6F-95A3-9379EAD4B9E9}" type="datetime1">
               <a:rPr lang="fi-FI" smtClean="0"/>
-              <a:t>2.12.2015</a:t>
+              <a:t>4.1.2016</a:t>
             </a:fld>
             <a:endParaRPr lang="fi-FI"/>
           </a:p>
@@ -16696,7 +16695,7 @@
           <a:p>
             <a:fld id="{786339DA-C46F-4C6F-95A3-9379EAD4B9E9}" type="datetime1">
               <a:rPr lang="fi-FI" smtClean="0"/>
-              <a:t>2.12.2015</a:t>
+              <a:t>4.1.2016</a:t>
             </a:fld>
             <a:endParaRPr lang="fi-FI"/>
           </a:p>
@@ -16790,7 +16789,7 @@
           <a:p>
             <a:fld id="{786339DA-C46F-4C6F-95A3-9379EAD4B9E9}" type="datetime1">
               <a:rPr lang="fi-FI" smtClean="0"/>
-              <a:t>2.12.2015</a:t>
+              <a:t>4.1.2016</a:t>
             </a:fld>
             <a:endParaRPr lang="fi-FI"/>
           </a:p>
@@ -16967,7 +16966,7 @@
           <a:p>
             <a:fld id="{786339DA-C46F-4C6F-95A3-9379EAD4B9E9}" type="datetime1">
               <a:rPr lang="fi-FI" smtClean="0"/>
-              <a:t>2.12.2015</a:t>
+              <a:t>4.1.2016</a:t>
             </a:fld>
             <a:endParaRPr lang="fi-FI"/>
           </a:p>
